--- a/Презентация к курсовой работе.pptx
+++ b/Презентация к курсовой работе.pptx
@@ -5059,121 +5059,132 @@
           <a:bodyPr/>
           <a:p>
             <a:r>
-              <a:rPr lang="ru-RU" altLang="en-US">
-                <a:latin typeface="Times New Roman" panose="02020603050405020304" charset="0"/>
-                <a:cs typeface="Times New Roman" panose="02020603050405020304" charset="0"/>
-              </a:rPr>
-              <a:t>Практическая значимость</a:t>
-            </a:r>
-            <a:endParaRPr lang="ru-RU" altLang="en-US">
-              <a:latin typeface="Times New Roman" panose="02020603050405020304" charset="0"/>
-              <a:cs typeface="Times New Roman" panose="02020603050405020304" charset="0"/>
-            </a:endParaRPr>
-          </a:p>
-        </p:txBody>
-      </p:sp>
-      <p:sp>
-        <p:nvSpPr>
-          <p:cNvPr id="3" name="Замещающее содержимое 2"/>
-          <p:cNvSpPr>
-            <a:spLocks noGrp="1"/>
-          </p:cNvSpPr>
+              <a:rPr lang="en-US" altLang="ru-RU">
+                <a:latin typeface="Times New Roman" panose="02020603050405020304" charset="0"/>
+                <a:cs typeface="Times New Roman" panose="02020603050405020304" charset="0"/>
+              </a:rPr>
+              <a:t>Пример запросов</a:t>
+            </a:r>
+            <a:endParaRPr lang="en-US" altLang="ru-RU">
+              <a:latin typeface="Times New Roman" panose="02020603050405020304" charset="0"/>
+              <a:cs typeface="Times New Roman" panose="02020603050405020304" charset="0"/>
+            </a:endParaRPr>
+          </a:p>
+        </p:txBody>
+      </p:sp>
+      <p:pic>
+        <p:nvPicPr>
+          <p:cNvPr id="4" name="Изображение 1"/>
+          <p:cNvPicPr>
+            <a:picLocks noChangeAspect="1"/>
+          </p:cNvPicPr>
           <p:nvPr>
             <p:ph idx="1"/>
           </p:nvPr>
-        </p:nvSpPr>
-        <p:spPr/>
-        <p:txBody>
-          <a:bodyPr/>
-          <a:p>
-            <a:pPr marL="0" indent="0">
-              <a:buNone/>
-            </a:pPr>
-            <a:r>
-              <a:rPr lang="ru-RU" altLang="en-US" sz="2000">
-                <a:latin typeface="Times New Roman" panose="02020603050405020304" charset="0"/>
-                <a:cs typeface="Times New Roman" panose="02020603050405020304" charset="0"/>
-              </a:rPr>
-              <a:t>Результаты:</a:t>
-            </a:r>
-            <a:endParaRPr lang="ru-RU" altLang="en-US" sz="2000">
-              <a:latin typeface="Times New Roman" panose="02020603050405020304" charset="0"/>
-              <a:cs typeface="Times New Roman" panose="02020603050405020304" charset="0"/>
-            </a:endParaRPr>
-          </a:p>
-          <a:p>
-            <a:r>
-              <a:rPr lang="ru-RU" altLang="en-US" sz="2000">
-                <a:latin typeface="Times New Roman" panose="02020603050405020304" charset="0"/>
-                <a:cs typeface="Times New Roman" panose="02020603050405020304" charset="0"/>
-              </a:rPr>
-              <a:t>Автоматизация учета данных.</a:t>
-            </a:r>
-            <a:endParaRPr lang="ru-RU" altLang="en-US" sz="2000">
-              <a:latin typeface="Times New Roman" panose="02020603050405020304" charset="0"/>
-              <a:cs typeface="Times New Roman" panose="02020603050405020304" charset="0"/>
-            </a:endParaRPr>
-          </a:p>
-          <a:p>
-            <a:r>
-              <a:rPr lang="ru-RU" altLang="en-US" sz="2000">
-                <a:latin typeface="Times New Roman" panose="02020603050405020304" charset="0"/>
-                <a:cs typeface="Times New Roman" panose="02020603050405020304" charset="0"/>
-              </a:rPr>
-              <a:t>Централизованное хранение и обработка информации.</a:t>
-            </a:r>
-            <a:endParaRPr lang="ru-RU" altLang="en-US" sz="2000">
-              <a:latin typeface="Times New Roman" panose="02020603050405020304" charset="0"/>
-              <a:cs typeface="Times New Roman" panose="02020603050405020304" charset="0"/>
-            </a:endParaRPr>
-          </a:p>
-          <a:p>
-            <a:r>
-              <a:rPr lang="ru-RU" altLang="en-US" sz="2000">
-                <a:latin typeface="Times New Roman" panose="02020603050405020304" charset="0"/>
-                <a:cs typeface="Times New Roman" panose="02020603050405020304" charset="0"/>
-              </a:rPr>
-              <a:t>Повышение эффективности работы отдела АСУ.</a:t>
-            </a:r>
-            <a:endParaRPr lang="ru-RU" altLang="en-US" sz="2000">
-              <a:latin typeface="Times New Roman" panose="02020603050405020304" charset="0"/>
-              <a:cs typeface="Times New Roman" panose="02020603050405020304" charset="0"/>
-            </a:endParaRPr>
-          </a:p>
-          <a:p>
-            <a:endParaRPr lang="ru-RU" altLang="en-US" sz="2000">
-              <a:latin typeface="Times New Roman" panose="02020603050405020304" charset="0"/>
-              <a:cs typeface="Times New Roman" panose="02020603050405020304" charset="0"/>
-            </a:endParaRPr>
-          </a:p>
-          <a:p>
-            <a:pPr marL="0" indent="0">
-              <a:buNone/>
-            </a:pPr>
-            <a:r>
-              <a:rPr lang="ru-RU" altLang="en-US" sz="2000">
-                <a:latin typeface="Times New Roman" panose="02020603050405020304" charset="0"/>
-                <a:cs typeface="Times New Roman" panose="02020603050405020304" charset="0"/>
-              </a:rPr>
-              <a:t>Интеграция:</a:t>
-            </a:r>
-            <a:endParaRPr lang="ru-RU" altLang="en-US" sz="2000">
-              <a:latin typeface="Times New Roman" panose="02020603050405020304" charset="0"/>
-              <a:cs typeface="Times New Roman" panose="02020603050405020304" charset="0"/>
-            </a:endParaRPr>
-          </a:p>
-          <a:p>
-            <a:r>
-              <a:rPr lang="ru-RU" altLang="en-US" sz="2000">
-                <a:latin typeface="Times New Roman" panose="02020603050405020304" charset="0"/>
-                <a:cs typeface="Times New Roman" panose="02020603050405020304" charset="0"/>
-              </a:rPr>
-              <a:t>Возможность внедрения в существующую инфраструктуру больницы.</a:t>
-            </a:r>
-            <a:endParaRPr lang="ru-RU" altLang="en-US" sz="2000">
-              <a:latin typeface="Times New Roman" panose="02020603050405020304" charset="0"/>
-              <a:cs typeface="Times New Roman" panose="02020603050405020304" charset="0"/>
-            </a:endParaRPr>
+        </p:nvPicPr>
+        <p:blipFill>
+          <a:blip r:embed="rId1"/>
+          <a:stretch>
+            <a:fillRect/>
+          </a:stretch>
+        </p:blipFill>
+        <p:spPr>
+          <a:xfrm>
+            <a:off x="609600" y="1687830"/>
+            <a:ext cx="7096125" cy="2552700"/>
+          </a:xfrm>
+          <a:prstGeom prst="rect">
+            <a:avLst/>
+          </a:prstGeom>
+          <a:noFill/>
+          <a:ln>
+            <a:noFill/>
+          </a:ln>
+        </p:spPr>
+      </p:pic>
+      <p:sp>
+        <p:nvSpPr>
+          <p:cNvPr id="5" name="Текстовое поле 4"/>
+          <p:cNvSpPr txBox="1"/>
+          <p:nvPr/>
+        </p:nvSpPr>
+        <p:spPr>
+          <a:xfrm>
+            <a:off x="609600" y="1240155"/>
+            <a:ext cx="1869440" cy="368300"/>
+          </a:xfrm>
+          <a:prstGeom prst="rect">
+            <a:avLst/>
+          </a:prstGeom>
+          <a:noFill/>
+        </p:spPr>
+        <p:txBody>
+          <a:bodyPr wrap="none" rtlCol="0">
+            <a:spAutoFit/>
+          </a:bodyPr>
+          <a:p>
+            <a:r>
+              <a:rPr lang="en-US" altLang="ru-RU"/>
+              <a:t>Вход в систему:</a:t>
+            </a:r>
+            <a:endParaRPr lang="en-US" altLang="ru-RU"/>
+          </a:p>
+        </p:txBody>
+      </p:sp>
+      <p:pic>
+        <p:nvPicPr>
+          <p:cNvPr id="6" name="Изображение 5"/>
+          <p:cNvPicPr>
+            <a:picLocks noChangeAspect="1"/>
+          </p:cNvPicPr>
+          <p:nvPr/>
+        </p:nvPicPr>
+        <p:blipFill>
+          <a:blip r:embed="rId2"/>
+          <a:stretch>
+            <a:fillRect/>
+          </a:stretch>
+        </p:blipFill>
+        <p:spPr>
+          <a:xfrm>
+            <a:off x="609600" y="4824730"/>
+            <a:ext cx="5932170" cy="1625600"/>
+          </a:xfrm>
+          <a:prstGeom prst="rect">
+            <a:avLst/>
+          </a:prstGeom>
+          <a:noFill/>
+          <a:ln>
+            <a:noFill/>
+          </a:ln>
+        </p:spPr>
+      </p:pic>
+      <p:sp>
+        <p:nvSpPr>
+          <p:cNvPr id="7" name="Текстовое поле 6"/>
+          <p:cNvSpPr txBox="1"/>
+          <p:nvPr/>
+        </p:nvSpPr>
+        <p:spPr>
+          <a:xfrm>
+            <a:off x="609600" y="4348480"/>
+            <a:ext cx="2044700" cy="368300"/>
+          </a:xfrm>
+          <a:prstGeom prst="rect">
+            <a:avLst/>
+          </a:prstGeom>
+          <a:noFill/>
+        </p:spPr>
+        <p:txBody>
+          <a:bodyPr wrap="none" rtlCol="0">
+            <a:spAutoFit/>
+          </a:bodyPr>
+          <a:p>
+            <a:r>
+              <a:rPr lang="en-US" altLang="ru-RU"/>
+              <a:t>Создание заявки:</a:t>
+            </a:r>
+            <a:endParaRPr lang="en-US" altLang="ru-RU"/>
           </a:p>
         </p:txBody>
       </p:sp>
